--- a/dlx_head.pptx
+++ b/dlx_head.pptx
@@ -105,6 +105,11 @@
       </a:defRPr>
     </a:lvl9pPr>
   </p:defaultTextStyle>
+  <p:extLst>
+    <p:ext uri="{EFAFB233-063F-42B5-8137-9DF3F51BA10A}">
+      <p15:sldGuideLst xmlns:p15="http://schemas.microsoft.com/office/powerpoint/2012/main"/>
+    </p:ext>
+  </p:extLst>
 </p:presentation>
 </file>
 
@@ -255,7 +260,7 @@
           <a:p>
             <a:fld id="{789855E7-8AB2-8A4B-A3DD-00FAF196C84B}" type="datetimeFigureOut">
               <a:rPr lang="en-US" smtClean="0"/>
-              <a:t>12/30/21</a:t>
+              <a:t>1/6/22</a:t>
             </a:fld>
             <a:endParaRPr lang="en-US"/>
           </a:p>
@@ -453,7 +458,7 @@
           <a:p>
             <a:fld id="{789855E7-8AB2-8A4B-A3DD-00FAF196C84B}" type="datetimeFigureOut">
               <a:rPr lang="en-US" smtClean="0"/>
-              <a:t>12/30/21</a:t>
+              <a:t>1/6/22</a:t>
             </a:fld>
             <a:endParaRPr lang="en-US"/>
           </a:p>
@@ -661,7 +666,7 @@
           <a:p>
             <a:fld id="{789855E7-8AB2-8A4B-A3DD-00FAF196C84B}" type="datetimeFigureOut">
               <a:rPr lang="en-US" smtClean="0"/>
-              <a:t>12/30/21</a:t>
+              <a:t>1/6/22</a:t>
             </a:fld>
             <a:endParaRPr lang="en-US"/>
           </a:p>
@@ -859,7 +864,7 @@
           <a:p>
             <a:fld id="{789855E7-8AB2-8A4B-A3DD-00FAF196C84B}" type="datetimeFigureOut">
               <a:rPr lang="en-US" smtClean="0"/>
-              <a:t>12/30/21</a:t>
+              <a:t>1/6/22</a:t>
             </a:fld>
             <a:endParaRPr lang="en-US"/>
           </a:p>
@@ -1134,7 +1139,7 @@
           <a:p>
             <a:fld id="{789855E7-8AB2-8A4B-A3DD-00FAF196C84B}" type="datetimeFigureOut">
               <a:rPr lang="en-US" smtClean="0"/>
-              <a:t>12/30/21</a:t>
+              <a:t>1/6/22</a:t>
             </a:fld>
             <a:endParaRPr lang="en-US"/>
           </a:p>
@@ -1399,7 +1404,7 @@
           <a:p>
             <a:fld id="{789855E7-8AB2-8A4B-A3DD-00FAF196C84B}" type="datetimeFigureOut">
               <a:rPr lang="en-US" smtClean="0"/>
-              <a:t>12/30/21</a:t>
+              <a:t>1/6/22</a:t>
             </a:fld>
             <a:endParaRPr lang="en-US"/>
           </a:p>
@@ -1811,7 +1816,7 @@
           <a:p>
             <a:fld id="{789855E7-8AB2-8A4B-A3DD-00FAF196C84B}" type="datetimeFigureOut">
               <a:rPr lang="en-US" smtClean="0"/>
-              <a:t>12/30/21</a:t>
+              <a:t>1/6/22</a:t>
             </a:fld>
             <a:endParaRPr lang="en-US"/>
           </a:p>
@@ -1952,7 +1957,7 @@
           <a:p>
             <a:fld id="{789855E7-8AB2-8A4B-A3DD-00FAF196C84B}" type="datetimeFigureOut">
               <a:rPr lang="en-US" smtClean="0"/>
-              <a:t>12/30/21</a:t>
+              <a:t>1/6/22</a:t>
             </a:fld>
             <a:endParaRPr lang="en-US"/>
           </a:p>
@@ -2065,7 +2070,7 @@
           <a:p>
             <a:fld id="{789855E7-8AB2-8A4B-A3DD-00FAF196C84B}" type="datetimeFigureOut">
               <a:rPr lang="en-US" smtClean="0"/>
-              <a:t>12/30/21</a:t>
+              <a:t>1/6/22</a:t>
             </a:fld>
             <a:endParaRPr lang="en-US"/>
           </a:p>
@@ -2376,7 +2381,7 @@
           <a:p>
             <a:fld id="{789855E7-8AB2-8A4B-A3DD-00FAF196C84B}" type="datetimeFigureOut">
               <a:rPr lang="en-US" smtClean="0"/>
-              <a:t>12/30/21</a:t>
+              <a:t>1/6/22</a:t>
             </a:fld>
             <a:endParaRPr lang="en-US"/>
           </a:p>
@@ -2664,7 +2669,7 @@
           <a:p>
             <a:fld id="{789855E7-8AB2-8A4B-A3DD-00FAF196C84B}" type="datetimeFigureOut">
               <a:rPr lang="en-US" smtClean="0"/>
-              <a:t>12/30/21</a:t>
+              <a:t>1/6/22</a:t>
             </a:fld>
             <a:endParaRPr lang="en-US"/>
           </a:p>
@@ -2905,7 +2910,7 @@
           <a:p>
             <a:fld id="{789855E7-8AB2-8A4B-A3DD-00FAF196C84B}" type="datetimeFigureOut">
               <a:rPr lang="en-US" smtClean="0"/>
-              <a:t>12/30/21</a:t>
+              <a:t>1/6/22</a:t>
             </a:fld>
             <a:endParaRPr lang="en-US"/>
           </a:p>
@@ -9685,8 +9690,8 @@
         </p:nvSpPr>
         <p:spPr>
           <a:xfrm>
-            <a:off x="6261660" y="837370"/>
-            <a:ext cx="1102738" cy="461665"/>
+            <a:off x="6352070" y="837370"/>
+            <a:ext cx="921920" cy="461665"/>
           </a:xfrm>
           <a:prstGeom prst="rect">
             <a:avLst/>
@@ -9702,7 +9707,7 @@
             <a:pPr algn="ctr"/>
             <a:r>
               <a:rPr lang="en-US" sz="2400" b="1" dirty="0"/>
-              <a:t>Groups</a:t>
+              <a:t>Cages</a:t>
             </a:r>
           </a:p>
         </p:txBody>

--- a/dlx_head.pptx
+++ b/dlx_head.pptx
@@ -6,7 +6,6 @@
   </p:sldMasterIdLst>
   <p:sldIdLst>
     <p:sldId id="256" r:id="rId2"/>
-    <p:sldId id="257" r:id="rId3"/>
   </p:sldIdLst>
   <p:sldSz cx="12192000" cy="6858000"/>
   <p:notesSz cx="6858000" cy="9144000"/>
@@ -10077,36 +10076,6 @@
 </p:sld>
 </file>
 
-<file path=ppt/slides/slide2.xml><?xml version="1.0" encoding="utf-8"?>
-<p:sld xmlns:a="http://schemas.openxmlformats.org/drawingml/2006/main" xmlns:r="http://schemas.openxmlformats.org/officeDocument/2006/relationships" xmlns:p="http://schemas.openxmlformats.org/presentationml/2006/main">
-  <p:cSld>
-    <p:spTree>
-      <p:nvGrpSpPr>
-        <p:cNvPr id="1" name=""/>
-        <p:cNvGrpSpPr/>
-        <p:nvPr/>
-      </p:nvGrpSpPr>
-      <p:grpSpPr>
-        <a:xfrm>
-          <a:off x="0" y="0"/>
-          <a:ext cx="0" cy="0"/>
-          <a:chOff x="0" y="0"/>
-          <a:chExt cx="0" cy="0"/>
-        </a:xfrm>
-      </p:grpSpPr>
-    </p:spTree>
-    <p:extLst>
-      <p:ext uri="{BB962C8B-B14F-4D97-AF65-F5344CB8AC3E}">
-        <p14:creationId xmlns:p14="http://schemas.microsoft.com/office/powerpoint/2010/main" val="228663571"/>
-      </p:ext>
-    </p:extLst>
-  </p:cSld>
-  <p:clrMapOvr>
-    <a:masterClrMapping/>
-  </p:clrMapOvr>
-</p:sld>
-</file>
-
 <file path=ppt/theme/theme1.xml><?xml version="1.0" encoding="utf-8"?>
 <a:theme xmlns:a="http://schemas.openxmlformats.org/drawingml/2006/main" name="Office Theme">
   <a:themeElements>
